--- a/Documents/DiapoPtut.pptx
+++ b/Documents/DiapoPtut.pptx
@@ -302,7 +302,7 @@
           <a:p>
             <a:fld id="{4AAD347D-5ACD-4C99-B74B-A9C85AD731AF}" type="datetimeFigureOut">
               <a:rPr lang="en-US" smtClean="0"/>
-              <a:t>1/21/2019</a:t>
+              <a:t>1/22/2019</a:t>
             </a:fld>
             <a:endParaRPr lang="en-US" dirty="0"/>
           </a:p>
@@ -577,7 +577,7 @@
           <a:p>
             <a:fld id="{4509A250-FF31-4206-8172-F9D3106AACB1}" type="datetimeFigureOut">
               <a:rPr lang="en-US" smtClean="0"/>
-              <a:t>1/21/2019</a:t>
+              <a:t>1/22/2019</a:t>
             </a:fld>
             <a:endParaRPr lang="en-US" dirty="0"/>
           </a:p>
@@ -771,7 +771,7 @@
           <a:p>
             <a:fld id="{4509A250-FF31-4206-8172-F9D3106AACB1}" type="datetimeFigureOut">
               <a:rPr lang="en-US" smtClean="0"/>
-              <a:t>1/21/2019</a:t>
+              <a:t>1/22/2019</a:t>
             </a:fld>
             <a:endParaRPr lang="en-US" dirty="0"/>
           </a:p>
@@ -1039,7 +1039,7 @@
           <a:p>
             <a:fld id="{4509A250-FF31-4206-8172-F9D3106AACB1}" type="datetimeFigureOut">
               <a:rPr lang="en-US" smtClean="0"/>
-              <a:t>1/21/2019</a:t>
+              <a:t>1/22/2019</a:t>
             </a:fld>
             <a:endParaRPr lang="en-US" dirty="0"/>
           </a:p>
@@ -1371,7 +1371,7 @@
           <a:p>
             <a:fld id="{4509A250-FF31-4206-8172-F9D3106AACB1}" type="datetimeFigureOut">
               <a:rPr lang="en-US" smtClean="0"/>
-              <a:t>1/21/2019</a:t>
+              <a:t>1/22/2019</a:t>
             </a:fld>
             <a:endParaRPr lang="en-US" dirty="0"/>
           </a:p>
@@ -1981,7 +1981,7 @@
           <a:p>
             <a:fld id="{4509A250-FF31-4206-8172-F9D3106AACB1}" type="datetimeFigureOut">
               <a:rPr lang="en-US" smtClean="0"/>
-              <a:t>1/21/2019</a:t>
+              <a:t>1/22/2019</a:t>
             </a:fld>
             <a:endParaRPr lang="en-US" dirty="0"/>
           </a:p>
@@ -2828,7 +2828,7 @@
           <a:p>
             <a:fld id="{4509A250-FF31-4206-8172-F9D3106AACB1}" type="datetimeFigureOut">
               <a:rPr lang="en-US" smtClean="0"/>
-              <a:t>1/21/2019</a:t>
+              <a:t>1/22/2019</a:t>
             </a:fld>
             <a:endParaRPr lang="en-US" dirty="0"/>
           </a:p>
@@ -2998,7 +2998,7 @@
           <a:p>
             <a:fld id="{4509A250-FF31-4206-8172-F9D3106AACB1}" type="datetimeFigureOut">
               <a:rPr lang="en-US" smtClean="0"/>
-              <a:t>1/21/2019</a:t>
+              <a:t>1/22/2019</a:t>
             </a:fld>
             <a:endParaRPr lang="en-US" dirty="0"/>
           </a:p>
@@ -3178,7 +3178,7 @@
           <a:p>
             <a:fld id="{4509A250-FF31-4206-8172-F9D3106AACB1}" type="datetimeFigureOut">
               <a:rPr lang="en-US" smtClean="0"/>
-              <a:t>1/21/2019</a:t>
+              <a:t>1/22/2019</a:t>
             </a:fld>
             <a:endParaRPr lang="en-US" dirty="0"/>
           </a:p>
@@ -3348,7 +3348,7 @@
           <a:p>
             <a:fld id="{4509A250-FF31-4206-8172-F9D3106AACB1}" type="datetimeFigureOut">
               <a:rPr lang="en-US" smtClean="0"/>
-              <a:t>1/21/2019</a:t>
+              <a:t>1/22/2019</a:t>
             </a:fld>
             <a:endParaRPr lang="en-US" dirty="0"/>
           </a:p>
@@ -3592,7 +3592,7 @@
           <a:p>
             <a:fld id="{9796027F-7875-4030-9381-8BD8C4F21935}" type="datetimeFigureOut">
               <a:rPr lang="en-US" smtClean="0"/>
-              <a:t>1/21/2019</a:t>
+              <a:t>1/22/2019</a:t>
             </a:fld>
             <a:endParaRPr lang="en-US" dirty="0"/>
           </a:p>
@@ -3884,7 +3884,7 @@
           <a:p>
             <a:fld id="{9796027F-7875-4030-9381-8BD8C4F21935}" type="datetimeFigureOut">
               <a:rPr lang="en-US" smtClean="0"/>
-              <a:t>1/21/2019</a:t>
+              <a:t>1/22/2019</a:t>
             </a:fld>
             <a:endParaRPr lang="en-US" dirty="0"/>
           </a:p>
@@ -4322,7 +4322,7 @@
           <a:p>
             <a:fld id="{9796027F-7875-4030-9381-8BD8C4F21935}" type="datetimeFigureOut">
               <a:rPr lang="en-US" smtClean="0"/>
-              <a:t>1/21/2019</a:t>
+              <a:t>1/22/2019</a:t>
             </a:fld>
             <a:endParaRPr lang="en-US" dirty="0"/>
           </a:p>
@@ -4440,7 +4440,7 @@
           <a:p>
             <a:fld id="{4509A250-FF31-4206-8172-F9D3106AACB1}" type="datetimeFigureOut">
               <a:rPr lang="en-US" smtClean="0"/>
-              <a:t>1/21/2019</a:t>
+              <a:t>1/22/2019</a:t>
             </a:fld>
             <a:endParaRPr lang="en-US" dirty="0"/>
           </a:p>
@@ -4535,7 +4535,7 @@
           <a:p>
             <a:fld id="{4509A250-FF31-4206-8172-F9D3106AACB1}" type="datetimeFigureOut">
               <a:rPr lang="en-US" smtClean="0"/>
-              <a:t>1/21/2019</a:t>
+              <a:t>1/22/2019</a:t>
             </a:fld>
             <a:endParaRPr lang="en-US" dirty="0"/>
           </a:p>
@@ -4814,7 +4814,7 @@
           <a:p>
             <a:fld id="{4509A250-FF31-4206-8172-F9D3106AACB1}" type="datetimeFigureOut">
               <a:rPr lang="en-US" smtClean="0"/>
-              <a:t>1/21/2019</a:t>
+              <a:t>1/22/2019</a:t>
             </a:fld>
             <a:endParaRPr lang="en-US" dirty="0"/>
           </a:p>
@@ -5089,7 +5089,7 @@
           <a:p>
             <a:fld id="{4509A250-FF31-4206-8172-F9D3106AACB1}" type="datetimeFigureOut">
               <a:rPr lang="en-US" smtClean="0"/>
-              <a:t>1/21/2019</a:t>
+              <a:t>1/22/2019</a:t>
             </a:fld>
             <a:endParaRPr lang="en-US" dirty="0"/>
           </a:p>
@@ -5518,7 +5518,7 @@
           <a:p>
             <a:fld id="{4AAD347D-5ACD-4C99-B74B-A9C85AD731AF}" type="datetimeFigureOut">
               <a:rPr lang="en-US" smtClean="0"/>
-              <a:t>1/21/2019</a:t>
+              <a:t>1/22/2019</a:t>
             </a:fld>
             <a:endParaRPr lang="en-US" dirty="0"/>
           </a:p>
@@ -6098,7 +6098,7 @@
           <a:p>
             <a:r>
               <a:rPr lang="fr-FR" dirty="0"/>
-              <a:t>Encadrant : Mr SALVA</a:t>
+              <a:t>Encadrant : M. SALVA</a:t>
             </a:r>
           </a:p>
           <a:p>
